--- a/02A. HTML Fundamentals/02. HTML Tables/02. HTML Tables.pptx
+++ b/02A. HTML Fundamentals/02. HTML Tables/02. HTML Tables.pptx
@@ -254,7 +254,7 @@
           <a:p>
             <a:fld id="{9EC5837B-4546-4D10-8D00-9624B877B2AC}" type="datetimeFigureOut">
               <a:rPr lang="bg-BG" smtClean="0"/>
-              <a:t>07.03.2019</a:t>
+              <a:t>08.03.2019</a:t>
             </a:fld>
             <a:endParaRPr lang="bg-BG"/>
           </a:p>
@@ -671,7 +671,7 @@
           <a:p>
             <a:fld id="{6BC89E96-04EE-4B79-B25B-67640F4B36D2}" type="datetimeFigureOut">
               <a:rPr lang="bg-BG" smtClean="0"/>
-              <a:t>07.03.2019</a:t>
+              <a:t>08.03.2019</a:t>
             </a:fld>
             <a:endParaRPr lang="bg-BG"/>
           </a:p>
@@ -871,7 +871,7 @@
           <a:p>
             <a:fld id="{6BC89E96-04EE-4B79-B25B-67640F4B36D2}" type="datetimeFigureOut">
               <a:rPr lang="bg-BG" smtClean="0"/>
-              <a:t>07.03.2019</a:t>
+              <a:t>08.03.2019</a:t>
             </a:fld>
             <a:endParaRPr lang="bg-BG"/>
           </a:p>
@@ -1081,7 +1081,7 @@
           <a:p>
             <a:fld id="{6BC89E96-04EE-4B79-B25B-67640F4B36D2}" type="datetimeFigureOut">
               <a:rPr lang="bg-BG" smtClean="0"/>
-              <a:t>07.03.2019</a:t>
+              <a:t>08.03.2019</a:t>
             </a:fld>
             <a:endParaRPr lang="bg-BG"/>
           </a:p>
@@ -1281,7 +1281,7 @@
           <a:p>
             <a:fld id="{6BC89E96-04EE-4B79-B25B-67640F4B36D2}" type="datetimeFigureOut">
               <a:rPr lang="bg-BG" smtClean="0"/>
-              <a:t>07.03.2019</a:t>
+              <a:t>08.03.2019</a:t>
             </a:fld>
             <a:endParaRPr lang="bg-BG"/>
           </a:p>
@@ -1557,7 +1557,7 @@
           <a:p>
             <a:fld id="{6BC89E96-04EE-4B79-B25B-67640F4B36D2}" type="datetimeFigureOut">
               <a:rPr lang="bg-BG" smtClean="0"/>
-              <a:t>07.03.2019</a:t>
+              <a:t>08.03.2019</a:t>
             </a:fld>
             <a:endParaRPr lang="bg-BG"/>
           </a:p>
@@ -1825,7 +1825,7 @@
           <a:p>
             <a:fld id="{6BC89E96-04EE-4B79-B25B-67640F4B36D2}" type="datetimeFigureOut">
               <a:rPr lang="bg-BG" smtClean="0"/>
-              <a:t>07.03.2019</a:t>
+              <a:t>08.03.2019</a:t>
             </a:fld>
             <a:endParaRPr lang="bg-BG"/>
           </a:p>
@@ -2240,7 +2240,7 @@
           <a:p>
             <a:fld id="{6BC89E96-04EE-4B79-B25B-67640F4B36D2}" type="datetimeFigureOut">
               <a:rPr lang="bg-BG" smtClean="0"/>
-              <a:t>07.03.2019</a:t>
+              <a:t>08.03.2019</a:t>
             </a:fld>
             <a:endParaRPr lang="bg-BG"/>
           </a:p>
@@ -2382,7 +2382,7 @@
           <a:p>
             <a:fld id="{6BC89E96-04EE-4B79-B25B-67640F4B36D2}" type="datetimeFigureOut">
               <a:rPr lang="bg-BG" smtClean="0"/>
-              <a:t>07.03.2019</a:t>
+              <a:t>08.03.2019</a:t>
             </a:fld>
             <a:endParaRPr lang="bg-BG"/>
           </a:p>
@@ -2495,7 +2495,7 @@
           <a:p>
             <a:fld id="{6BC89E96-04EE-4B79-B25B-67640F4B36D2}" type="datetimeFigureOut">
               <a:rPr lang="bg-BG" smtClean="0"/>
-              <a:t>07.03.2019</a:t>
+              <a:t>08.03.2019</a:t>
             </a:fld>
             <a:endParaRPr lang="bg-BG"/>
           </a:p>
@@ -2808,7 +2808,7 @@
           <a:p>
             <a:fld id="{6BC89E96-04EE-4B79-B25B-67640F4B36D2}" type="datetimeFigureOut">
               <a:rPr lang="bg-BG" smtClean="0"/>
-              <a:t>07.03.2019</a:t>
+              <a:t>08.03.2019</a:t>
             </a:fld>
             <a:endParaRPr lang="bg-BG"/>
           </a:p>
@@ -3097,7 +3097,7 @@
           <a:p>
             <a:fld id="{6BC89E96-04EE-4B79-B25B-67640F4B36D2}" type="datetimeFigureOut">
               <a:rPr lang="bg-BG" smtClean="0"/>
-              <a:t>07.03.2019</a:t>
+              <a:t>08.03.2019</a:t>
             </a:fld>
             <a:endParaRPr lang="bg-BG"/>
           </a:p>
@@ -3340,7 +3340,7 @@
           <a:p>
             <a:fld id="{6BC89E96-04EE-4B79-B25B-67640F4B36D2}" type="datetimeFigureOut">
               <a:rPr lang="bg-BG" smtClean="0"/>
-              <a:t>07.03.2019</a:t>
+              <a:t>08.03.2019</a:t>
             </a:fld>
             <a:endParaRPr lang="bg-BG"/>
           </a:p>
